--- a/Presentation Slides/DSI Project 02_Final - Technical.pptx
+++ b/Presentation Slides/DSI Project 02_Final - Technical.pptx
@@ -21013,7 +21013,9 @@
         </p:nvSpPr>
         <p:spPr/>
         <p:txBody>
-          <a:bodyPr/>
+          <a:bodyPr>
+            <a:normAutofit fontScale="90000"/>
+          </a:bodyPr>
           <a:lstStyle/>
           <a:p>
             <a:r>
@@ -21737,12 +21739,7 @@
             <a:fillRect/>
           </a:stretch>
         </p:blipFill>
-        <p:spPr>
-          <a:xfrm>
-            <a:off x="0" y="0"/>
-            <a:ext cx="12188825" cy="4323715"/>
-          </a:xfrm>
-        </p:spPr>
+        <p:spPr/>
       </p:pic>
     </p:spTree>
   </p:cSld>
@@ -22088,7 +22085,7 @@
         </p:blipFill>
         <p:spPr>
           <a:xfrm>
-            <a:off x="1763487" y="3833130"/>
+            <a:off x="882107" y="3897900"/>
             <a:ext cx="10428514" cy="2920370"/>
           </a:xfrm>
           <a:prstGeom prst="rect">
@@ -22298,8 +22295,8 @@
         </p:nvSpPr>
         <p:spPr>
           <a:xfrm>
-            <a:off x="9581515" y="1393825"/>
-            <a:ext cx="1530985" cy="444500"/>
+            <a:off x="9419590" y="1361440"/>
+            <a:ext cx="1913890" cy="476885"/>
           </a:xfrm>
           <a:prstGeom prst="rect">
             <a:avLst/>
@@ -22307,7 +22304,7 @@
         </p:spPr>
         <p:txBody>
           <a:bodyPr vert="horz" lIns="45720" tIns="45720" rIns="45720" bIns="45720" rtlCol="0">
-            <a:normAutofit fontScale="80000"/>
+            <a:normAutofit fontScale="90000"/>
           </a:bodyPr>
           <a:lstStyle>
             <a:lvl1pPr marL="91440" indent="-91440" algn="l" defTabSz="914400" rtl="0" eaLnBrk="1" latinLnBrk="0" hangingPunct="1">
@@ -22544,6 +22541,36 @@
           </a:p>
         </p:txBody>
       </p:sp>
+      <p:pic>
+        <p:nvPicPr>
+          <p:cNvPr id="6" name="Picture 5" descr="Screenshot 2019-10-11 at 2.15.30 PM.png"/>
+          <p:cNvPicPr>
+            <a:picLocks noChangeAspect="1"/>
+          </p:cNvPicPr>
+          <p:nvPr/>
+        </p:nvPicPr>
+        <p:blipFill>
+          <a:blip r:embed="rId2">
+            <a:extLst>
+              <a:ext uri="{28A0092B-C50C-407E-A947-70E740481C1C}">
+                <a14:useLocalDpi xmlns:a14="http://schemas.microsoft.com/office/drawing/2010/main" val="0"/>
+              </a:ext>
+            </a:extLst>
+          </a:blip>
+          <a:stretch>
+            <a:fillRect/>
+          </a:stretch>
+        </p:blipFill>
+        <p:spPr>
+          <a:xfrm>
+            <a:off x="1091831" y="4870066"/>
+            <a:ext cx="5600700" cy="1498600"/>
+          </a:xfrm>
+          <a:prstGeom prst="rect">
+            <a:avLst/>
+          </a:prstGeom>
+        </p:spPr>
+      </p:pic>
     </p:spTree>
   </p:cSld>
   <p:clrMapOvr>
@@ -22833,29 +22860,6 @@
           <a:chExt cx="0" cy="0"/>
         </a:xfrm>
       </p:grpSpPr>
-      <p:sp>
-        <p:nvSpPr>
-          <p:cNvPr id="2" name="Title 1"/>
-          <p:cNvSpPr>
-            <a:spLocks noGrp="1"/>
-          </p:cNvSpPr>
-          <p:nvPr>
-            <p:ph type="title"/>
-          </p:nvPr>
-        </p:nvSpPr>
-        <p:spPr/>
-        <p:txBody>
-          <a:bodyPr/>
-          <a:lstStyle/>
-          <a:p>
-            <a:r>
-              <a:rPr lang="en-US" dirty="0" smtClean="0"/>
-              <a:t>MODELING</a:t>
-            </a:r>
-            <a:endParaRPr lang="en-US" dirty="0"/>
-          </a:p>
-        </p:txBody>
-      </p:sp>
       <p:pic>
         <p:nvPicPr>
           <p:cNvPr id="4" name="Picture 3"/>
@@ -22887,6 +22891,29 @@
           </a:prstGeom>
         </p:spPr>
       </p:pic>
+      <p:sp>
+        <p:nvSpPr>
+          <p:cNvPr id="2" name="Title 1"/>
+          <p:cNvSpPr>
+            <a:spLocks noGrp="1"/>
+          </p:cNvSpPr>
+          <p:nvPr>
+            <p:ph type="title"/>
+          </p:nvPr>
+        </p:nvSpPr>
+        <p:spPr/>
+        <p:txBody>
+          <a:bodyPr/>
+          <a:lstStyle/>
+          <a:p>
+            <a:r>
+              <a:rPr lang="en-US" dirty="0" smtClean="0"/>
+              <a:t>MODELING</a:t>
+            </a:r>
+            <a:endParaRPr lang="en-US" dirty="0"/>
+          </a:p>
+        </p:txBody>
+      </p:sp>
       <p:sp>
         <p:nvSpPr>
           <p:cNvPr id="8" name="Content Placeholder 2"/>
@@ -23230,7 +23257,7 @@
         </p:blipFill>
         <p:spPr>
           <a:xfrm>
-            <a:off x="3876638" y="3037126"/>
+            <a:off x="3976968" y="3371136"/>
             <a:ext cx="4238201" cy="3262006"/>
           </a:xfrm>
           <a:prstGeom prst="rect">
@@ -23256,7 +23283,7 @@
         </p:blipFill>
         <p:spPr>
           <a:xfrm>
-            <a:off x="8049050" y="2969356"/>
+            <a:off x="8071275" y="3223356"/>
             <a:ext cx="4238200" cy="3409839"/>
           </a:xfrm>
           <a:prstGeom prst="rect">
@@ -23314,7 +23341,7 @@
         </p:nvSpPr>
         <p:spPr>
           <a:xfrm>
-            <a:off x="5733034" y="1636179"/>
+            <a:off x="5894959" y="2509939"/>
             <a:ext cx="5614282" cy="1278202"/>
           </a:xfrm>
           <a:prstGeom prst="rect">
@@ -23554,7 +23581,7 @@
             </a:r>
             <a:r>
               <a:rPr lang="en-US" dirty="0"/>
-              <a:t>Average Error =</a:t>
+              <a:t>Average Error = </a:t>
             </a:r>
             <a:endParaRPr lang="en-US" dirty="0"/>
           </a:p>
@@ -23562,10 +23589,6 @@
             <a:pPr marL="0" lvl="0" indent="0">
               <a:buNone/>
             </a:pPr>
-            <a:r>
-              <a:rPr lang="en-US" dirty="0"/>
-              <a:t> </a:t>
-            </a:r>
             <a:r>
               <a:rPr lang="en-US" b="1" i="1" dirty="0" smtClean="0">
                 <a:solidFill>
@@ -23587,41 +23610,6 @@
           </a:p>
         </p:txBody>
       </p:sp>
-      <p:cxnSp>
-        <p:nvCxnSpPr>
-          <p:cNvPr id="6" name="Straight Connector 5"/>
-          <p:cNvCxnSpPr/>
-          <p:nvPr/>
-        </p:nvCxnSpPr>
-        <p:spPr>
-          <a:xfrm flipV="1">
-            <a:off x="4732026" y="3699228"/>
-            <a:ext cx="2245612" cy="1793620"/>
-          </a:xfrm>
-          <a:prstGeom prst="line">
-            <a:avLst/>
-          </a:prstGeom>
-          <a:ln>
-            <a:solidFill>
-              <a:srgbClr val="FF0000"/>
-            </a:solidFill>
-          </a:ln>
-        </p:spPr>
-        <p:style>
-          <a:lnRef idx="1">
-            <a:schemeClr val="accent1"/>
-          </a:lnRef>
-          <a:fillRef idx="0">
-            <a:schemeClr val="accent1"/>
-          </a:fillRef>
-          <a:effectRef idx="0">
-            <a:schemeClr val="accent1"/>
-          </a:effectRef>
-          <a:fontRef idx="minor">
-            <a:schemeClr val="tx1"/>
-          </a:fontRef>
-        </p:style>
-      </p:cxnSp>
     </p:spTree>
   </p:cSld>
   <p:clrMapOvr>
